--- a/001_JavaScript/008_lesson/Presentation/events_1.pptx
+++ b/001_JavaScript/008_lesson/Presentation/events_1.pptx
@@ -5,17 +5,18 @@
     <p:sldMasterId id="2147483648" r:id="rId1"/>
   </p:sldMasterIdLst>
   <p:notesMasterIdLst>
-    <p:notesMasterId r:id="rId7"/>
+    <p:notesMasterId r:id="rId8"/>
   </p:notesMasterIdLst>
   <p:handoutMasterIdLst>
-    <p:handoutMasterId r:id="rId8"/>
+    <p:handoutMasterId r:id="rId9"/>
   </p:handoutMasterIdLst>
   <p:sldIdLst>
     <p:sldId id="256" r:id="rId2"/>
     <p:sldId id="268" r:id="rId3"/>
     <p:sldId id="262" r:id="rId4"/>
     <p:sldId id="263" r:id="rId5"/>
-    <p:sldId id="264" r:id="rId6"/>
+    <p:sldId id="269" r:id="rId6"/>
+    <p:sldId id="264" r:id="rId7"/>
   </p:sldIdLst>
   <p:sldSz cx="9144000" cy="5143500" type="screen16x9"/>
   <p:notesSz cx="6858000" cy="9144000"/>
@@ -116,7 +117,7 @@
   </p:defaultTextStyle>
   <p:extLst>
     <p:ext uri="{EFAFB233-063F-42B5-8137-9DF3F51BA10A}">
-      <p15:sldGuideLst xmlns:p15="http://schemas.microsoft.com/office/powerpoint/2012/main" xmlns="">
+      <p15:sldGuideLst xmlns="" xmlns:p15="http://schemas.microsoft.com/office/powerpoint/2012/main">
         <p15:guide id="1" orient="horz" pos="1620">
           <p15:clr>
             <a:srgbClr val="A4A3A4"/>
@@ -140,7 +141,7 @@
       </p15:sldGuideLst>
     </p:ext>
     <p:ext uri="{2D200454-40CA-4A62-9FC3-DE9A4176ACB9}">
-      <p15:notesGuideLst xmlns:p15="http://schemas.microsoft.com/office/powerpoint/2012/main" xmlns="">
+      <p15:notesGuideLst xmlns="" xmlns:p15="http://schemas.microsoft.com/office/powerpoint/2012/main">
         <p15:guide id="1" orient="horz" pos="2880">
           <p15:clr>
             <a:srgbClr val="A4A3A4"/>
@@ -240,7 +241,7 @@
             <a:fld id="{C1951A84-8083-4F68-A786-57C80B44AB3C}" type="datetimeFigureOut">
               <a:rPr lang="en-US" smtClean="0"/>
               <a:pPr/>
-              <a:t>6/20/2016</a:t>
+              <a:t>7/28/2016</a:t>
             </a:fld>
             <a:endParaRPr lang="en-US"/>
           </a:p>
@@ -316,7 +317,7 @@
     </p:spTree>
     <p:extLst>
       <p:ext uri="{BB962C8B-B14F-4D97-AF65-F5344CB8AC3E}">
-        <p14:creationId xmlns:p14="http://schemas.microsoft.com/office/powerpoint/2010/main" xmlns="" val="171833131"/>
+        <p14:creationId xmlns="" xmlns:p14="http://schemas.microsoft.com/office/powerpoint/2010/main" val="171833131"/>
       </p:ext>
     </p:extLst>
   </p:cSld>
@@ -407,7 +408,7 @@
             <a:fld id="{F938EB94-4B54-4539-BEE7-C3885B42E71C}" type="datetimeFigureOut">
               <a:rPr lang="en-US" smtClean="0"/>
               <a:pPr/>
-              <a:t>6/20/2016</a:t>
+              <a:t>7/28/2016</a:t>
             </a:fld>
             <a:endParaRPr lang="en-US"/>
           </a:p>
@@ -576,7 +577,7 @@
     </p:spTree>
     <p:extLst>
       <p:ext uri="{BB962C8B-B14F-4D97-AF65-F5344CB8AC3E}">
-        <p14:creationId xmlns:p14="http://schemas.microsoft.com/office/powerpoint/2010/main" xmlns="" val="4273275644"/>
+        <p14:creationId xmlns="" xmlns:p14="http://schemas.microsoft.com/office/powerpoint/2010/main" val="4273275644"/>
       </p:ext>
     </p:extLst>
   </p:cSld>
@@ -1183,7 +1184,7 @@
     </p:spTree>
     <p:extLst>
       <p:ext uri="{BB962C8B-B14F-4D97-AF65-F5344CB8AC3E}">
-        <p14:creationId xmlns:p14="http://schemas.microsoft.com/office/powerpoint/2010/main" xmlns="" val="3537187278"/>
+        <p14:creationId xmlns="" xmlns:p14="http://schemas.microsoft.com/office/powerpoint/2010/main" val="3537187278"/>
       </p:ext>
     </p:extLst>
   </p:cSld>
@@ -1229,7 +1230,7 @@
           <a:blip r:embed="rId2" cstate="print">
             <a:extLst>
               <a:ext uri="{28A0092B-C50C-407E-A947-70E740481C1C}">
-                <a14:useLocalDpi xmlns:a14="http://schemas.microsoft.com/office/drawing/2010/main" xmlns="" val="0"/>
+                <a14:useLocalDpi xmlns="" xmlns:a14="http://schemas.microsoft.com/office/drawing/2010/main" val="0"/>
               </a:ext>
             </a:extLst>
           </a:blip>
@@ -1253,14 +1254,14 @@
           <a:effectLst/>
           <a:extLst>
             <a:ext uri="{909E8E84-426E-40DD-AFC4-6F175D3DCCD1}">
-              <a14:hiddenFill xmlns:a14="http://schemas.microsoft.com/office/drawing/2010/main" xmlns="">
+              <a14:hiddenFill xmlns="" xmlns:a14="http://schemas.microsoft.com/office/drawing/2010/main">
                 <a:solidFill>
                   <a:schemeClr val="accent1"/>
                 </a:solidFill>
               </a14:hiddenFill>
             </a:ext>
             <a:ext uri="{91240B29-F687-4F45-9708-019B960494DF}">
-              <a14:hiddenLine xmlns:a14="http://schemas.microsoft.com/office/drawing/2010/main" xmlns="" w="9525">
+              <a14:hiddenLine xmlns="" xmlns:a14="http://schemas.microsoft.com/office/drawing/2010/main" w="9525">
                 <a:solidFill>
                   <a:schemeClr val="tx1"/>
                 </a:solidFill>
@@ -1270,7 +1271,7 @@
               </a14:hiddenLine>
             </a:ext>
             <a:ext uri="{AF507438-7753-43E0-B8FC-AC1667EBCBE1}">
-              <a14:hiddenEffects xmlns:a14="http://schemas.microsoft.com/office/drawing/2010/main" xmlns="">
+              <a14:hiddenEffects xmlns="" xmlns:a14="http://schemas.microsoft.com/office/drawing/2010/main">
                 <a:effectLst>
                   <a:outerShdw dist="35921" dir="2700000" algn="ctr" rotWithShape="0">
                     <a:schemeClr val="bg2"/>
@@ -1411,7 +1412,7 @@
     </p:spTree>
     <p:extLst>
       <p:ext uri="{BB962C8B-B14F-4D97-AF65-F5344CB8AC3E}">
-        <p14:creationId xmlns:p14="http://schemas.microsoft.com/office/powerpoint/2010/main" xmlns="" val="2097366919"/>
+        <p14:creationId xmlns="" xmlns:p14="http://schemas.microsoft.com/office/powerpoint/2010/main" val="2097366919"/>
       </p:ext>
     </p:extLst>
   </p:cSld>
@@ -1486,7 +1487,7 @@
     </p:spTree>
     <p:extLst>
       <p:ext uri="{BB962C8B-B14F-4D97-AF65-F5344CB8AC3E}">
-        <p14:creationId xmlns:p14="http://schemas.microsoft.com/office/powerpoint/2010/main" xmlns="" val="779007194"/>
+        <p14:creationId xmlns="" xmlns:p14="http://schemas.microsoft.com/office/powerpoint/2010/main" val="779007194"/>
       </p:ext>
     </p:extLst>
   </p:cSld>
@@ -1814,7 +1815,9 @@
           <a:lstStyle/>
           <a:p>
             <a:pPr algn="ctr"/>
-            <a:endParaRPr lang="en-US" dirty="0"/>
+            <a:endParaRPr lang="en-US" dirty="0">
+              <a:latin typeface="Calibri" pitchFamily="34" charset="0"/>
+            </a:endParaRPr>
           </a:p>
         </p:txBody>
       </p:sp>
@@ -1845,28 +1848,28 @@
                 <a:solidFill>
                   <a:schemeClr val="bg1"/>
                 </a:solidFill>
-                <a:latin typeface="Roboto Thin" panose="02000000000000000000" pitchFamily="2" charset="0"/>
+                <a:latin typeface="Calibri" pitchFamily="34" charset="0"/>
                 <a:ea typeface="Roboto Thin" panose="02000000000000000000" pitchFamily="2" charset="0"/>
                 <a:cs typeface="Roboto Thin" panose="02000000000000000000" pitchFamily="2" charset="0"/>
               </a:rPr>
               <a:t>Работа с </a:t>
             </a:r>
             <a:r>
-              <a:rPr lang="en-US" sz="2700" b="1" dirty="0" smtClean="0">
+              <a:rPr lang="en-US" sz="2700" dirty="0" smtClean="0">
                 <a:solidFill>
                   <a:schemeClr val="bg1"/>
                 </a:solidFill>
-                <a:latin typeface="Roboto Thin" panose="02000000000000000000" pitchFamily="2" charset="0"/>
+                <a:latin typeface="Calibri" pitchFamily="34" charset="0"/>
                 <a:ea typeface="Roboto Thin" panose="02000000000000000000" pitchFamily="2" charset="0"/>
                 <a:cs typeface="Roboto Thin" panose="02000000000000000000" pitchFamily="2" charset="0"/>
               </a:rPr>
               <a:t>DOM</a:t>
             </a:r>
-            <a:endParaRPr lang="en-US" b="1" dirty="0">
+            <a:endParaRPr lang="en-US" dirty="0">
               <a:solidFill>
                 <a:srgbClr val="7564BC"/>
               </a:solidFill>
-              <a:latin typeface="Roboto Thin" panose="02000000000000000000" pitchFamily="2" charset="0"/>
+              <a:latin typeface="Calibri" pitchFamily="34" charset="0"/>
               <a:ea typeface="Roboto Thin" panose="02000000000000000000" pitchFamily="2" charset="0"/>
               <a:cs typeface="Roboto Thin" panose="02000000000000000000" pitchFamily="2" charset="0"/>
             </a:endParaRPr>
@@ -2058,7 +2061,7 @@
                     <a:lumOff val="10000"/>
                   </a:schemeClr>
                 </a:solidFill>
-                <a:latin typeface="Roboto Light" panose="02000000000000000000" pitchFamily="2" charset="0"/>
+                <a:latin typeface="Calibri" pitchFamily="34" charset="0"/>
                 <a:ea typeface="Roboto Light" panose="02000000000000000000" pitchFamily="2" charset="0"/>
                 <a:cs typeface="Roboto Light" panose="02000000000000000000" pitchFamily="2" charset="0"/>
               </a:rPr>
@@ -2071,7 +2074,7 @@
                   <a:lumOff val="10000"/>
                 </a:schemeClr>
               </a:solidFill>
-              <a:latin typeface="Roboto Light" panose="02000000000000000000" pitchFamily="2" charset="0"/>
+              <a:latin typeface="Calibri" pitchFamily="34" charset="0"/>
               <a:ea typeface="Roboto Light" panose="02000000000000000000" pitchFamily="2" charset="0"/>
               <a:cs typeface="Roboto Light" panose="02000000000000000000" pitchFamily="2" charset="0"/>
             </a:endParaRPr>
@@ -2090,7 +2093,7 @@
           <a:blip r:embed="rId2" cstate="print">
             <a:extLst>
               <a:ext uri="{28A0092B-C50C-407E-A947-70E740481C1C}">
-                <a14:useLocalDpi xmlns:a14="http://schemas.microsoft.com/office/drawing/2010/main" xmlns="" val="0"/>
+                <a14:useLocalDpi xmlns="" xmlns:a14="http://schemas.microsoft.com/office/drawing/2010/main" val="0"/>
               </a:ext>
             </a:extLst>
           </a:blip>
@@ -2110,7 +2113,7 @@
           <a:noFill/>
           <a:extLst>
             <a:ext uri="{909E8E84-426E-40DD-AFC4-6F175D3DCCD1}">
-              <a14:hiddenFill xmlns:a14="http://schemas.microsoft.com/office/drawing/2010/main" xmlns="">
+              <a14:hiddenFill xmlns="" xmlns:a14="http://schemas.microsoft.com/office/drawing/2010/main">
                 <a:solidFill>
                   <a:srgbClr val="FFFFFF"/>
                 </a:solidFill>
@@ -2146,20 +2149,22 @@
                 <a:solidFill>
                   <a:srgbClr val="7564BC"/>
                 </a:solidFill>
-                <a:latin typeface="Roboto Black" panose="02000000000000000000" pitchFamily="2" charset="0"/>
+                <a:latin typeface="Calibri" pitchFamily="34" charset="0"/>
                 <a:ea typeface="Roboto Black" panose="02000000000000000000" pitchFamily="2" charset="0"/>
                 <a:cs typeface="Roboto Black" panose="02000000000000000000" pitchFamily="2" charset="0"/>
               </a:rPr>
               <a:t>События</a:t>
             </a:r>
-            <a:endParaRPr lang="en-US" dirty="0"/>
+            <a:endParaRPr lang="en-US" dirty="0">
+              <a:latin typeface="Calibri" pitchFamily="34" charset="0"/>
+            </a:endParaRPr>
           </a:p>
         </p:txBody>
       </p:sp>
     </p:spTree>
     <p:extLst>
       <p:ext uri="{BB962C8B-B14F-4D97-AF65-F5344CB8AC3E}">
-        <p14:creationId xmlns:p14="http://schemas.microsoft.com/office/powerpoint/2010/main" xmlns="" val="3436223543"/>
+        <p14:creationId xmlns="" xmlns:p14="http://schemas.microsoft.com/office/powerpoint/2010/main" val="3436223543"/>
       </p:ext>
     </p:extLst>
   </p:cSld>
@@ -2214,26 +2219,38 @@
           <a:lstStyle/>
           <a:p>
             <a:r>
-              <a:rPr lang="uk-UA" dirty="0" err="1" smtClean="0"/>
+              <a:rPr lang="uk-UA" dirty="0" err="1" smtClean="0">
+                <a:latin typeface="Calibri" pitchFamily="34" charset="0"/>
+              </a:rPr>
               <a:t>Модели</a:t>
             </a:r>
             <a:r>
-              <a:rPr lang="uk-UA" dirty="0" smtClean="0"/>
+              <a:rPr lang="uk-UA" dirty="0" smtClean="0">
+                <a:latin typeface="Calibri" pitchFamily="34" charset="0"/>
+              </a:rPr>
               <a:t> </a:t>
             </a:r>
             <a:r>
-              <a:rPr lang="uk-UA" dirty="0" err="1" smtClean="0"/>
+              <a:rPr lang="uk-UA" dirty="0" err="1" smtClean="0">
+                <a:latin typeface="Calibri" pitchFamily="34" charset="0"/>
+              </a:rPr>
               <a:t>обработки</a:t>
             </a:r>
             <a:r>
-              <a:rPr lang="uk-UA" dirty="0" smtClean="0"/>
+              <a:rPr lang="uk-UA" dirty="0" smtClean="0">
+                <a:latin typeface="Calibri" pitchFamily="34" charset="0"/>
+              </a:rPr>
               <a:t> </a:t>
             </a:r>
             <a:r>
-              <a:rPr lang="uk-UA" dirty="0" err="1" smtClean="0"/>
+              <a:rPr lang="uk-UA" dirty="0" err="1" smtClean="0">
+                <a:latin typeface="Calibri" pitchFamily="34" charset="0"/>
+              </a:rPr>
               <a:t>событий</a:t>
             </a:r>
-            <a:endParaRPr lang="en-US" dirty="0"/>
+            <a:endParaRPr lang="en-US" dirty="0">
+              <a:latin typeface="Calibri" pitchFamily="34" charset="0"/>
+            </a:endParaRPr>
           </a:p>
         </p:txBody>
       </p:sp>
@@ -2418,14 +2435,16 @@
             </a:endParaRPr>
           </a:p>
           <a:p>
-            <a:endParaRPr lang="en-US" dirty="0"/>
+            <a:endParaRPr lang="en-US" dirty="0">
+              <a:latin typeface="Calibri" pitchFamily="34" charset="0"/>
+            </a:endParaRPr>
           </a:p>
         </p:txBody>
       </p:sp>
     </p:spTree>
     <p:extLst>
       <p:ext uri="{BB962C8B-B14F-4D97-AF65-F5344CB8AC3E}">
-        <p14:creationId xmlns:p14="http://schemas.microsoft.com/office/powerpoint/2010/main" xmlns="" val="9290874"/>
+        <p14:creationId xmlns="" xmlns:p14="http://schemas.microsoft.com/office/powerpoint/2010/main" val="9290874"/>
       </p:ext>
     </p:extLst>
   </p:cSld>
@@ -2480,10 +2499,14 @@
           <a:lstStyle/>
           <a:p>
             <a:r>
-              <a:rPr lang="en-US" sz="3200" dirty="0" smtClean="0"/>
+              <a:rPr lang="en-US" sz="2800" dirty="0" smtClean="0">
+                <a:latin typeface="Calibri" pitchFamily="34" charset="0"/>
+              </a:rPr>
               <a:t>DOM Level 0</a:t>
             </a:r>
-            <a:endParaRPr lang="en-US" sz="3200" dirty="0"/>
+            <a:endParaRPr lang="en-US" sz="2800" dirty="0">
+              <a:latin typeface="Calibri" pitchFamily="34" charset="0"/>
+            </a:endParaRPr>
           </a:p>
         </p:txBody>
       </p:sp>
@@ -2948,62 +2971,90 @@
           <a:lstStyle/>
           <a:p>
             <a:r>
-              <a:rPr lang="ru-RU" dirty="0" smtClean="0"/>
+              <a:rPr lang="ru-RU" dirty="0" smtClean="0">
+                <a:latin typeface="Calibri" pitchFamily="34" charset="0"/>
+              </a:rPr>
               <a:t>Обработчик события</a:t>
             </a:r>
             <a:r>
-              <a:rPr lang="en-US" dirty="0" smtClean="0"/>
+              <a:rPr lang="en-US" dirty="0" smtClean="0">
+                <a:latin typeface="Calibri" pitchFamily="34" charset="0"/>
+              </a:rPr>
               <a:t>: </a:t>
             </a:r>
             <a:r>
-              <a:rPr lang="en-US" dirty="0" err="1" smtClean="0"/>
+              <a:rPr lang="en-US" dirty="0" err="1" smtClean="0">
+                <a:latin typeface="Calibri" pitchFamily="34" charset="0"/>
+              </a:rPr>
               <a:t>elem.on</a:t>
             </a:r>
             <a:r>
-              <a:rPr lang="en-US" dirty="0" smtClean="0"/>
+              <a:rPr lang="en-US" dirty="0" smtClean="0">
+                <a:latin typeface="Calibri" pitchFamily="34" charset="0"/>
+              </a:rPr>
               <a:t>&lt;</a:t>
             </a:r>
             <a:r>
-              <a:rPr lang="ru-RU" dirty="0" smtClean="0"/>
+              <a:rPr lang="ru-RU" dirty="0" smtClean="0">
+                <a:latin typeface="Calibri" pitchFamily="34" charset="0"/>
+              </a:rPr>
               <a:t>событие</a:t>
             </a:r>
             <a:r>
-              <a:rPr lang="en-US" dirty="0" smtClean="0"/>
+              <a:rPr lang="en-US" dirty="0" smtClean="0">
+                <a:latin typeface="Calibri" pitchFamily="34" charset="0"/>
+              </a:rPr>
               <a:t>&gt;</a:t>
             </a:r>
             <a:r>
-              <a:rPr lang="ru-RU" dirty="0" smtClean="0"/>
+              <a:rPr lang="ru-RU" dirty="0" smtClean="0">
+                <a:latin typeface="Calibri" pitchFamily="34" charset="0"/>
+              </a:rPr>
               <a:t> = </a:t>
             </a:r>
             <a:r>
-              <a:rPr lang="en-US" dirty="0" smtClean="0"/>
+              <a:rPr lang="en-US" dirty="0" smtClean="0">
+                <a:latin typeface="Calibri" pitchFamily="34" charset="0"/>
+              </a:rPr>
               <a:t>function() {}; </a:t>
             </a:r>
           </a:p>
           <a:p>
             <a:pPr algn="just"/>
             <a:r>
-              <a:rPr lang="ru-RU" dirty="0" smtClean="0"/>
+              <a:rPr lang="ru-RU" dirty="0" smtClean="0">
+                <a:latin typeface="Calibri" pitchFamily="34" charset="0"/>
+              </a:rPr>
               <a:t>Отмена события</a:t>
             </a:r>
             <a:r>
-              <a:rPr lang="en-US" dirty="0" smtClean="0"/>
+              <a:rPr lang="en-US" dirty="0" smtClean="0">
+                <a:latin typeface="Calibri" pitchFamily="34" charset="0"/>
+              </a:rPr>
               <a:t>: </a:t>
             </a:r>
             <a:r>
-              <a:rPr lang="en-US" dirty="0" err="1" smtClean="0"/>
+              <a:rPr lang="en-US" dirty="0" err="1" smtClean="0">
+                <a:latin typeface="Calibri" pitchFamily="34" charset="0"/>
+              </a:rPr>
               <a:t>elem.on</a:t>
             </a:r>
             <a:r>
-              <a:rPr lang="en-US" dirty="0" smtClean="0"/>
+              <a:rPr lang="en-US" dirty="0" smtClean="0">
+                <a:latin typeface="Calibri" pitchFamily="34" charset="0"/>
+              </a:rPr>
               <a:t>&lt;</a:t>
             </a:r>
             <a:r>
-              <a:rPr lang="ru-RU" dirty="0" smtClean="0"/>
+              <a:rPr lang="ru-RU" dirty="0" smtClean="0">
+                <a:latin typeface="Calibri" pitchFamily="34" charset="0"/>
+              </a:rPr>
               <a:t>событие = </a:t>
             </a:r>
             <a:r>
-              <a:rPr lang="en-US" dirty="0" smtClean="0"/>
+              <a:rPr lang="en-US" dirty="0" smtClean="0">
+                <a:latin typeface="Calibri" pitchFamily="34" charset="0"/>
+              </a:rPr>
               <a:t>function() {</a:t>
             </a:r>
             <a:r>
@@ -3013,25 +3064,32 @@
                     <a:lumMod val="75000"/>
                   </a:schemeClr>
                 </a:solidFill>
+                <a:latin typeface="Calibri" pitchFamily="34" charset="0"/>
               </a:rPr>
               <a:t>return </a:t>
             </a:r>
             <a:r>
-              <a:rPr lang="en-US" b="1" dirty="0" smtClean="0"/>
+              <a:rPr lang="en-US" b="1" dirty="0" smtClean="0">
+                <a:latin typeface="Calibri" pitchFamily="34" charset="0"/>
+              </a:rPr>
               <a:t>false</a:t>
             </a:r>
             <a:r>
-              <a:rPr lang="en-US" dirty="0" smtClean="0"/>
+              <a:rPr lang="en-US" dirty="0" smtClean="0">
+                <a:latin typeface="Calibri" pitchFamily="34" charset="0"/>
+              </a:rPr>
               <a:t>}; </a:t>
             </a:r>
-            <a:endParaRPr lang="en-US" dirty="0"/>
+            <a:endParaRPr lang="en-US" dirty="0">
+              <a:latin typeface="Calibri" pitchFamily="34" charset="0"/>
+            </a:endParaRPr>
           </a:p>
         </p:txBody>
       </p:sp>
     </p:spTree>
     <p:extLst>
       <p:ext uri="{BB962C8B-B14F-4D97-AF65-F5344CB8AC3E}">
-        <p14:creationId xmlns:p14="http://schemas.microsoft.com/office/powerpoint/2010/main" xmlns="" val="4126915530"/>
+        <p14:creationId xmlns="" xmlns:p14="http://schemas.microsoft.com/office/powerpoint/2010/main" val="4126915530"/>
       </p:ext>
     </p:extLst>
   </p:cSld>
@@ -3086,10 +3144,14 @@
           <a:lstStyle/>
           <a:p>
             <a:r>
-              <a:rPr lang="en-US" sz="2800" dirty="0" smtClean="0"/>
+              <a:rPr lang="en-US" sz="2800" dirty="0" smtClean="0">
+                <a:latin typeface="Calibri" pitchFamily="34" charset="0"/>
+              </a:rPr>
               <a:t>DOM Level 2</a:t>
             </a:r>
-            <a:endParaRPr lang="en-US" dirty="0"/>
+            <a:endParaRPr lang="en-US" sz="2800" dirty="0">
+              <a:latin typeface="Calibri" pitchFamily="34" charset="0"/>
+            </a:endParaRPr>
           </a:p>
         </p:txBody>
       </p:sp>
@@ -3101,12 +3163,15 @@
         </p:nvSpPr>
         <p:spPr>
           <a:xfrm>
-            <a:off x="457200" y="1323469"/>
-            <a:ext cx="7955280" cy="1384995"/>
+            <a:off x="457200" y="1474470"/>
+            <a:ext cx="7955280" cy="2031325"/>
           </a:xfrm>
           <a:prstGeom prst="rect">
             <a:avLst/>
           </a:prstGeom>
+          <a:ln>
+            <a:noFill/>
+          </a:ln>
         </p:spPr>
         <p:style>
           <a:lnRef idx="2">
@@ -3129,680 +3194,392 @@
           <a:lstStyle/>
           <a:p>
             <a:r>
-              <a:rPr lang="en-US" sz="1400" dirty="0" err="1" smtClean="0">
+              <a:rPr lang="en-US" b="1" dirty="0" err="1" smtClean="0">
                 <a:latin typeface="Calibri" pitchFamily="34" charset="0"/>
                 <a:cs typeface="Calibri" pitchFamily="34" charset="0"/>
               </a:rPr>
               <a:t>addEventListener</a:t>
             </a:r>
             <a:r>
-              <a:rPr lang="en-US" sz="1400" dirty="0" smtClean="0">
-                <a:latin typeface="Calibri" pitchFamily="34" charset="0"/>
-                <a:cs typeface="Calibri" pitchFamily="34" charset="0"/>
-              </a:rPr>
-              <a:t>(event, handler, capture);</a:t>
-            </a:r>
-          </a:p>
-          <a:p>
-            <a:r>
-              <a:rPr lang="en-US" sz="1400" b="1" dirty="0" smtClean="0">
-                <a:latin typeface="Calibri" pitchFamily="34" charset="0"/>
-                <a:cs typeface="Calibri" pitchFamily="34" charset="0"/>
-              </a:rPr>
-              <a:t>event </a:t>
-            </a:r>
-            <a:r>
-              <a:rPr lang="en-US" sz="1400" dirty="0" smtClean="0">
-                <a:latin typeface="Calibri" pitchFamily="34" charset="0"/>
-                <a:cs typeface="Calibri" pitchFamily="34" charset="0"/>
-              </a:rPr>
-              <a:t>–</a:t>
-            </a:r>
-            <a:r>
-              <a:rPr lang="uk-UA" sz="1400" dirty="0" err="1" smtClean="0">
-                <a:latin typeface="Calibri" pitchFamily="34" charset="0"/>
-                <a:cs typeface="Calibri" pitchFamily="34" charset="0"/>
-              </a:rPr>
-              <a:t>имя</a:t>
-            </a:r>
-            <a:r>
-              <a:rPr lang="uk-UA" sz="1400" dirty="0" smtClean="0">
+              <a:rPr lang="en-US" b="1" dirty="0" smtClean="0">
+                <a:latin typeface="Calibri" pitchFamily="34" charset="0"/>
+                <a:cs typeface="Calibri" pitchFamily="34" charset="0"/>
+              </a:rPr>
+              <a:t>(event, handler, capture</a:t>
+            </a:r>
+            <a:r>
+              <a:rPr lang="en-US" b="1" dirty="0" smtClean="0">
+                <a:latin typeface="Calibri" pitchFamily="34" charset="0"/>
+                <a:cs typeface="Calibri" pitchFamily="34" charset="0"/>
+              </a:rPr>
+              <a:t>);</a:t>
+            </a:r>
+            <a:r>
+              <a:rPr lang="ru-RU" b="1" dirty="0" smtClean="0">
                 <a:latin typeface="Calibri" pitchFamily="34" charset="0"/>
                 <a:cs typeface="Calibri" pitchFamily="34" charset="0"/>
               </a:rPr>
               <a:t> </a:t>
             </a:r>
             <a:r>
-              <a:rPr lang="uk-UA" sz="1400" dirty="0" err="1" smtClean="0">
-                <a:latin typeface="Calibri" pitchFamily="34" charset="0"/>
-                <a:cs typeface="Calibri" pitchFamily="34" charset="0"/>
-              </a:rPr>
-              <a:t>события</a:t>
-            </a:r>
-            <a:r>
-              <a:rPr lang="uk-UA" sz="1400" dirty="0" smtClean="0">
-                <a:latin typeface="Calibri" pitchFamily="34" charset="0"/>
-                <a:cs typeface="Calibri" pitchFamily="34" charset="0"/>
-              </a:rPr>
-              <a:t>. Без приставки ‘</a:t>
-            </a:r>
-            <a:r>
-              <a:rPr lang="en-US" sz="1400" dirty="0" smtClean="0">
-                <a:latin typeface="Calibri" pitchFamily="34" charset="0"/>
-                <a:cs typeface="Calibri" pitchFamily="34" charset="0"/>
-              </a:rPr>
-              <a:t>on’, </a:t>
-            </a:r>
-            <a:r>
-              <a:rPr lang="uk-UA" sz="1400" dirty="0" err="1" smtClean="0">
-                <a:latin typeface="Calibri" pitchFamily="34" charset="0"/>
-                <a:cs typeface="Calibri" pitchFamily="34" charset="0"/>
-              </a:rPr>
-              <a:t>например</a:t>
-            </a:r>
-            <a:r>
-              <a:rPr lang="uk-UA" sz="1400" dirty="0" smtClean="0">
-                <a:latin typeface="Calibri" pitchFamily="34" charset="0"/>
-                <a:cs typeface="Calibri" pitchFamily="34" charset="0"/>
-              </a:rPr>
-              <a:t> ‘</a:t>
-            </a:r>
-            <a:r>
-              <a:rPr lang="en-US" sz="1400" dirty="0" smtClean="0">
-                <a:latin typeface="Calibri" pitchFamily="34" charset="0"/>
-                <a:cs typeface="Calibri" pitchFamily="34" charset="0"/>
-              </a:rPr>
-              <a:t>click’, ‘load’, </a:t>
-            </a:r>
-            <a:r>
-              <a:rPr lang="uk-UA" sz="1400" dirty="0" err="1" smtClean="0">
-                <a:latin typeface="Calibri" pitchFamily="34" charset="0"/>
-                <a:cs typeface="Calibri" pitchFamily="34" charset="0"/>
-              </a:rPr>
-              <a:t>но</a:t>
-            </a:r>
-            <a:r>
-              <a:rPr lang="uk-UA" sz="1400" dirty="0" smtClean="0">
-                <a:latin typeface="Calibri" pitchFamily="34" charset="0"/>
-                <a:cs typeface="Calibri" pitchFamily="34" charset="0"/>
-              </a:rPr>
-              <a:t> не ‘</a:t>
-            </a:r>
-            <a:r>
-              <a:rPr lang="en-US" sz="1400" dirty="0" err="1" smtClean="0">
-                <a:latin typeface="Calibri" pitchFamily="34" charset="0"/>
-                <a:cs typeface="Calibri" pitchFamily="34" charset="0"/>
-              </a:rPr>
-              <a:t>onclick</a:t>
-            </a:r>
-            <a:r>
-              <a:rPr lang="en-US" sz="1400" dirty="0" smtClean="0">
-                <a:latin typeface="Calibri" pitchFamily="34" charset="0"/>
-                <a:cs typeface="Calibri" pitchFamily="34" charset="0"/>
-              </a:rPr>
-              <a:t>’, ‘</a:t>
-            </a:r>
-            <a:r>
-              <a:rPr lang="en-US" sz="1400" dirty="0" err="1" smtClean="0">
-                <a:latin typeface="Calibri" pitchFamily="34" charset="0"/>
-                <a:cs typeface="Calibri" pitchFamily="34" charset="0"/>
-              </a:rPr>
-              <a:t>onload</a:t>
-            </a:r>
-            <a:r>
-              <a:rPr lang="en-US" sz="1400" dirty="0" smtClean="0">
-                <a:latin typeface="Calibri" pitchFamily="34" charset="0"/>
-                <a:cs typeface="Calibri" pitchFamily="34" charset="0"/>
-              </a:rPr>
-              <a:t>’</a:t>
-            </a:r>
-          </a:p>
-          <a:p>
-            <a:r>
-              <a:rPr lang="en-US" sz="1400" b="1" dirty="0" smtClean="0">
-                <a:latin typeface="Calibri" pitchFamily="34" charset="0"/>
-                <a:cs typeface="Calibri" pitchFamily="34" charset="0"/>
-              </a:rPr>
-              <a:t>handler</a:t>
-            </a:r>
-            <a:r>
-              <a:rPr lang="en-US" sz="1400" dirty="0" smtClean="0">
-                <a:latin typeface="Calibri" pitchFamily="34" charset="0"/>
-                <a:cs typeface="Calibri" pitchFamily="34" charset="0"/>
-              </a:rPr>
-              <a:t>–</a:t>
-            </a:r>
-            <a:r>
-              <a:rPr lang="uk-UA" sz="1400" dirty="0" err="1" smtClean="0">
-                <a:latin typeface="Calibri" pitchFamily="34" charset="0"/>
-                <a:cs typeface="Calibri" pitchFamily="34" charset="0"/>
-              </a:rPr>
-              <a:t>функция-обработчик</a:t>
-            </a:r>
-            <a:endParaRPr lang="uk-UA" sz="1400" dirty="0" smtClean="0">
+              <a:rPr lang="ru-RU" dirty="0" smtClean="0">
+                <a:latin typeface="Calibri" pitchFamily="34" charset="0"/>
+                <a:cs typeface="Calibri" pitchFamily="34" charset="0"/>
+              </a:rPr>
+              <a:t>- обработчик события </a:t>
+            </a:r>
+            <a:endParaRPr lang="ru-RU" b="1" dirty="0" smtClean="0">
               <a:latin typeface="Calibri" pitchFamily="34" charset="0"/>
               <a:cs typeface="Calibri" pitchFamily="34" charset="0"/>
             </a:endParaRPr>
           </a:p>
           <a:p>
-            <a:r>
-              <a:rPr lang="uk-UA" sz="1400" b="1" dirty="0" smtClean="0">
-                <a:latin typeface="Calibri" pitchFamily="34" charset="0"/>
-                <a:cs typeface="Calibri" pitchFamily="34" charset="0"/>
-              </a:rPr>
-              <a:t>с</a:t>
-            </a:r>
-            <a:r>
-              <a:rPr lang="en-US" sz="1400" b="1" dirty="0" err="1" smtClean="0">
-                <a:latin typeface="Calibri" pitchFamily="34" charset="0"/>
-                <a:cs typeface="Calibri" pitchFamily="34" charset="0"/>
-              </a:rPr>
-              <a:t>apture</a:t>
-            </a:r>
-            <a:r>
-              <a:rPr lang="en-US" sz="1400" dirty="0" smtClean="0">
-                <a:latin typeface="Calibri" pitchFamily="34" charset="0"/>
-                <a:cs typeface="Calibri" pitchFamily="34" charset="0"/>
-              </a:rPr>
-              <a:t>–true-</a:t>
-            </a:r>
-            <a:r>
-              <a:rPr lang="uk-UA" sz="1400" dirty="0" err="1" smtClean="0">
-                <a:latin typeface="Calibri" pitchFamily="34" charset="0"/>
-                <a:cs typeface="Calibri" pitchFamily="34" charset="0"/>
-              </a:rPr>
-              <a:t>обработчик</a:t>
-            </a:r>
-            <a:r>
-              <a:rPr lang="uk-UA" sz="1400" dirty="0" smtClean="0">
-                <a:latin typeface="Calibri" pitchFamily="34" charset="0"/>
-                <a:cs typeface="Calibri" pitchFamily="34" charset="0"/>
-              </a:rPr>
-              <a:t> </a:t>
-            </a:r>
-            <a:r>
-              <a:rPr lang="uk-UA" sz="1400" dirty="0" err="1" smtClean="0">
-                <a:latin typeface="Calibri" pitchFamily="34" charset="0"/>
-                <a:cs typeface="Calibri" pitchFamily="34" charset="0"/>
-              </a:rPr>
-              <a:t>срабатывает</a:t>
-            </a:r>
-            <a:r>
-              <a:rPr lang="uk-UA" sz="1400" dirty="0" smtClean="0">
-                <a:latin typeface="Calibri" pitchFamily="34" charset="0"/>
-                <a:cs typeface="Calibri" pitchFamily="34" charset="0"/>
-              </a:rPr>
-              <a:t> на </a:t>
-            </a:r>
-            <a:r>
-              <a:rPr lang="uk-UA" sz="1400" dirty="0" err="1" smtClean="0">
-                <a:latin typeface="Calibri" pitchFamily="34" charset="0"/>
-                <a:cs typeface="Calibri" pitchFamily="34" charset="0"/>
-              </a:rPr>
-              <a:t>этапе</a:t>
-            </a:r>
-            <a:r>
-              <a:rPr lang="uk-UA" sz="1400" dirty="0" smtClean="0">
-                <a:latin typeface="Calibri" pitchFamily="34" charset="0"/>
-                <a:cs typeface="Calibri" pitchFamily="34" charset="0"/>
-              </a:rPr>
-              <a:t> </a:t>
-            </a:r>
-            <a:r>
-              <a:rPr lang="uk-UA" sz="1400" dirty="0" err="1" smtClean="0">
-                <a:latin typeface="Calibri" pitchFamily="34" charset="0"/>
-                <a:cs typeface="Calibri" pitchFamily="34" charset="0"/>
-              </a:rPr>
-              <a:t>перехвата</a:t>
-            </a:r>
-            <a:r>
-              <a:rPr lang="uk-UA" sz="1400" dirty="0" smtClean="0">
-                <a:latin typeface="Calibri" pitchFamily="34" charset="0"/>
-                <a:cs typeface="Calibri" pitchFamily="34" charset="0"/>
-              </a:rPr>
-              <a:t>, </a:t>
-            </a:r>
-            <a:r>
-              <a:rPr lang="en-US" sz="1400" dirty="0" smtClean="0">
-                <a:latin typeface="Calibri" pitchFamily="34" charset="0"/>
-                <a:cs typeface="Calibri" pitchFamily="34" charset="0"/>
-              </a:rPr>
-              <a:t>false –</a:t>
-            </a:r>
-            <a:r>
-              <a:rPr lang="uk-UA" sz="1400" dirty="0" err="1" smtClean="0">
-                <a:latin typeface="Calibri" pitchFamily="34" charset="0"/>
-                <a:cs typeface="Calibri" pitchFamily="34" charset="0"/>
-              </a:rPr>
-              <a:t>обработчик</a:t>
-            </a:r>
-            <a:r>
-              <a:rPr lang="uk-UA" sz="1400" dirty="0" smtClean="0">
-                <a:latin typeface="Calibri" pitchFamily="34" charset="0"/>
-                <a:cs typeface="Calibri" pitchFamily="34" charset="0"/>
-              </a:rPr>
-              <a:t> </a:t>
-            </a:r>
-            <a:r>
-              <a:rPr lang="uk-UA" sz="1400" dirty="0" err="1" smtClean="0">
-                <a:latin typeface="Calibri" pitchFamily="34" charset="0"/>
-                <a:cs typeface="Calibri" pitchFamily="34" charset="0"/>
-              </a:rPr>
-              <a:t>срабатывает</a:t>
-            </a:r>
-            <a:r>
-              <a:rPr lang="uk-UA" sz="1400" dirty="0" smtClean="0">
-                <a:latin typeface="Calibri" pitchFamily="34" charset="0"/>
-                <a:cs typeface="Calibri" pitchFamily="34" charset="0"/>
-              </a:rPr>
-              <a:t> на </a:t>
-            </a:r>
-            <a:r>
-              <a:rPr lang="uk-UA" sz="1400" dirty="0" err="1" smtClean="0">
-                <a:latin typeface="Calibri" pitchFamily="34" charset="0"/>
-                <a:cs typeface="Calibri" pitchFamily="34" charset="0"/>
-              </a:rPr>
-              <a:t>этапе</a:t>
-            </a:r>
-            <a:r>
-              <a:rPr lang="uk-UA" sz="1400" dirty="0" smtClean="0">
-                <a:latin typeface="Calibri" pitchFamily="34" charset="0"/>
-                <a:cs typeface="Calibri" pitchFamily="34" charset="0"/>
-              </a:rPr>
-              <a:t> </a:t>
-            </a:r>
-            <a:r>
-              <a:rPr lang="uk-UA" sz="1400" dirty="0" err="1" smtClean="0">
-                <a:latin typeface="Calibri" pitchFamily="34" charset="0"/>
-                <a:cs typeface="Calibri" pitchFamily="34" charset="0"/>
-              </a:rPr>
-              <a:t>всплывания</a:t>
-            </a:r>
-            <a:r>
-              <a:rPr lang="uk-UA" sz="1400" dirty="0" smtClean="0">
-                <a:latin typeface="Calibri" pitchFamily="34" charset="0"/>
-                <a:cs typeface="Calibri" pitchFamily="34" charset="0"/>
-              </a:rPr>
-              <a:t>.</a:t>
-            </a:r>
-          </a:p>
-          <a:p>
-            <a:endParaRPr lang="en-US" sz="1400" dirty="0">
+            <a:endParaRPr lang="en-US" dirty="0" smtClean="0">
               <a:latin typeface="Calibri" pitchFamily="34" charset="0"/>
               <a:cs typeface="Calibri" pitchFamily="34" charset="0"/>
             </a:endParaRPr>
           </a:p>
-        </p:txBody>
-      </p:sp>
-      <p:sp>
-        <p:nvSpPr>
-          <p:cNvPr id="4" name="Прямоугольник 3"/>
-          <p:cNvSpPr/>
-          <p:nvPr/>
-        </p:nvSpPr>
-        <p:spPr>
-          <a:xfrm>
-            <a:off x="457200" y="3332261"/>
-            <a:ext cx="7955280" cy="307777"/>
-          </a:xfrm>
-          <a:prstGeom prst="rect">
-            <a:avLst/>
-          </a:prstGeom>
-        </p:spPr>
-        <p:style>
-          <a:lnRef idx="2">
-            <a:schemeClr val="accent3"/>
-          </a:lnRef>
-          <a:fillRef idx="1">
-            <a:schemeClr val="lt1"/>
-          </a:fillRef>
-          <a:effectRef idx="0">
-            <a:schemeClr val="accent3"/>
-          </a:effectRef>
-          <a:fontRef idx="minor">
-            <a:schemeClr val="dk1"/>
-          </a:fontRef>
-        </p:style>
-        <p:txBody>
-          <a:bodyPr wrap="square">
-            <a:spAutoFit/>
-          </a:bodyPr>
-          <a:lstStyle/>
-          <a:p>
-            <a:r>
-              <a:rPr lang="en-US" sz="1400" b="1" dirty="0" err="1" smtClean="0">
-                <a:latin typeface="Calibri" pitchFamily="34" charset="0"/>
-                <a:cs typeface="Calibri" pitchFamily="34" charset="0"/>
-              </a:rPr>
-              <a:t>removeEventListener</a:t>
-            </a:r>
-            <a:r>
-              <a:rPr lang="en-US" sz="1400" b="1" dirty="0" smtClean="0">
-                <a:latin typeface="Calibri" pitchFamily="34" charset="0"/>
-                <a:cs typeface="Calibri" pitchFamily="34" charset="0"/>
-              </a:rPr>
-              <a:t>(event, handler, capture);  </a:t>
-            </a:r>
-            <a:r>
-              <a:rPr lang="en-US" sz="1400" dirty="0" smtClean="0">
-                <a:latin typeface="Calibri" pitchFamily="34" charset="0"/>
-                <a:cs typeface="Calibri" pitchFamily="34" charset="0"/>
-              </a:rPr>
-              <a:t>- </a:t>
-            </a:r>
-            <a:r>
-              <a:rPr lang="uk-UA" sz="1400" dirty="0" err="1" smtClean="0">
-                <a:latin typeface="Calibri" pitchFamily="34" charset="0"/>
-                <a:cs typeface="Calibri" pitchFamily="34" charset="0"/>
-              </a:rPr>
-              <a:t>удаление</a:t>
-            </a:r>
-            <a:r>
-              <a:rPr lang="uk-UA" sz="1400" dirty="0" smtClean="0">
+          <a:p>
+            <a:r>
+              <a:rPr lang="en-US" b="1" dirty="0" smtClean="0">
+                <a:latin typeface="Calibri" pitchFamily="34" charset="0"/>
+                <a:cs typeface="Calibri" pitchFamily="34" charset="0"/>
+              </a:rPr>
+              <a:t>Event  </a:t>
+            </a:r>
+            <a:r>
+              <a:rPr lang="en-US" dirty="0" smtClean="0">
+                <a:latin typeface="Calibri" pitchFamily="34" charset="0"/>
+                <a:cs typeface="Calibri" pitchFamily="34" charset="0"/>
+              </a:rPr>
+              <a:t>– </a:t>
+            </a:r>
+            <a:r>
+              <a:rPr lang="uk-UA" dirty="0" err="1" smtClean="0">
+                <a:latin typeface="Calibri" pitchFamily="34" charset="0"/>
+                <a:cs typeface="Calibri" pitchFamily="34" charset="0"/>
+              </a:rPr>
+              <a:t>имя</a:t>
+            </a:r>
+            <a:r>
+              <a:rPr lang="uk-UA" dirty="0" smtClean="0">
                 <a:latin typeface="Calibri" pitchFamily="34" charset="0"/>
                 <a:cs typeface="Calibri" pitchFamily="34" charset="0"/>
               </a:rPr>
               <a:t> </a:t>
             </a:r>
             <a:r>
-              <a:rPr lang="uk-UA" sz="1400" dirty="0" err="1" smtClean="0">
-                <a:latin typeface="Calibri" pitchFamily="34" charset="0"/>
-                <a:cs typeface="Calibri" pitchFamily="34" charset="0"/>
-              </a:rPr>
-              <a:t>обработчика</a:t>
-            </a:r>
-            <a:endParaRPr lang="uk-UA" sz="1400" dirty="0" smtClean="0">
+              <a:rPr lang="uk-UA" dirty="0" err="1" smtClean="0">
+                <a:latin typeface="Calibri" pitchFamily="34" charset="0"/>
+                <a:cs typeface="Calibri" pitchFamily="34" charset="0"/>
+              </a:rPr>
+              <a:t>события</a:t>
+            </a:r>
+            <a:r>
+              <a:rPr lang="uk-UA" dirty="0" smtClean="0">
+                <a:latin typeface="Calibri" pitchFamily="34" charset="0"/>
+                <a:cs typeface="Calibri" pitchFamily="34" charset="0"/>
+              </a:rPr>
+              <a:t>. Без приставки ‘</a:t>
+            </a:r>
+            <a:r>
+              <a:rPr lang="en-US" dirty="0" smtClean="0">
+                <a:latin typeface="Calibri" pitchFamily="34" charset="0"/>
+                <a:cs typeface="Calibri" pitchFamily="34" charset="0"/>
+              </a:rPr>
+              <a:t>on’, </a:t>
+            </a:r>
+            <a:r>
+              <a:rPr lang="uk-UA" dirty="0" err="1" smtClean="0">
+                <a:latin typeface="Calibri" pitchFamily="34" charset="0"/>
+                <a:cs typeface="Calibri" pitchFamily="34" charset="0"/>
+              </a:rPr>
+              <a:t>например</a:t>
+            </a:r>
+            <a:r>
+              <a:rPr lang="uk-UA" dirty="0" smtClean="0">
+                <a:latin typeface="Calibri" pitchFamily="34" charset="0"/>
+                <a:cs typeface="Calibri" pitchFamily="34" charset="0"/>
+              </a:rPr>
+              <a:t> ‘</a:t>
+            </a:r>
+            <a:r>
+              <a:rPr lang="en-US" dirty="0" smtClean="0">
+                <a:latin typeface="Calibri" pitchFamily="34" charset="0"/>
+                <a:cs typeface="Calibri" pitchFamily="34" charset="0"/>
+              </a:rPr>
+              <a:t>click’, </a:t>
+            </a:r>
+            <a:r>
+              <a:rPr lang="uk-UA" dirty="0" err="1" smtClean="0">
+                <a:latin typeface="Calibri" pitchFamily="34" charset="0"/>
+                <a:cs typeface="Calibri" pitchFamily="34" charset="0"/>
+              </a:rPr>
+              <a:t>но</a:t>
+            </a:r>
+            <a:r>
+              <a:rPr lang="uk-UA" dirty="0" smtClean="0">
+                <a:latin typeface="Calibri" pitchFamily="34" charset="0"/>
+                <a:cs typeface="Calibri" pitchFamily="34" charset="0"/>
+              </a:rPr>
+              <a:t> </a:t>
+            </a:r>
+            <a:r>
+              <a:rPr lang="uk-UA" dirty="0" smtClean="0">
+                <a:latin typeface="Calibri" pitchFamily="34" charset="0"/>
+                <a:cs typeface="Calibri" pitchFamily="34" charset="0"/>
+              </a:rPr>
+              <a:t>не ‘</a:t>
+            </a:r>
+            <a:r>
+              <a:rPr lang="en-US" dirty="0" err="1" smtClean="0">
+                <a:latin typeface="Calibri" pitchFamily="34" charset="0"/>
+                <a:cs typeface="Calibri" pitchFamily="34" charset="0"/>
+              </a:rPr>
+              <a:t>onclick</a:t>
+            </a:r>
+            <a:r>
+              <a:rPr lang="en-US" dirty="0" smtClean="0">
+                <a:latin typeface="Calibri" pitchFamily="34" charset="0"/>
+                <a:cs typeface="Calibri" pitchFamily="34" charset="0"/>
+              </a:rPr>
+              <a:t>’</a:t>
+            </a:r>
+            <a:r>
+              <a:rPr lang="ru-RU" dirty="0" smtClean="0">
+                <a:latin typeface="Calibri" pitchFamily="34" charset="0"/>
+                <a:cs typeface="Calibri" pitchFamily="34" charset="0"/>
+              </a:rPr>
+              <a:t> </a:t>
+            </a:r>
+            <a:endParaRPr lang="en-US" dirty="0" smtClean="0">
               <a:latin typeface="Calibri" pitchFamily="34" charset="0"/>
               <a:cs typeface="Calibri" pitchFamily="34" charset="0"/>
             </a:endParaRPr>
           </a:p>
-        </p:txBody>
-      </p:sp>
-      <p:sp>
-        <p:nvSpPr>
-          <p:cNvPr id="6" name="TextBox 5"/>
-          <p:cNvSpPr txBox="1"/>
-          <p:nvPr/>
-        </p:nvSpPr>
-        <p:spPr>
-          <a:xfrm>
-            <a:off x="457200" y="924044"/>
-            <a:ext cx="2356671" cy="369332"/>
-          </a:xfrm>
-          <a:prstGeom prst="rect">
-            <a:avLst/>
-          </a:prstGeom>
-          <a:noFill/>
-        </p:spPr>
-        <p:txBody>
-          <a:bodyPr wrap="none" rtlCol="0">
-            <a:spAutoFit/>
-          </a:bodyPr>
-          <a:lstStyle/>
-          <a:p>
+          <a:p>
+            <a:r>
+              <a:rPr lang="en-US" b="1" dirty="0" smtClean="0">
+                <a:latin typeface="Calibri" pitchFamily="34" charset="0"/>
+                <a:cs typeface="Calibri" pitchFamily="34" charset="0"/>
+              </a:rPr>
+              <a:t>Handler </a:t>
+            </a:r>
+            <a:r>
+              <a:rPr lang="en-US" dirty="0" smtClean="0">
+                <a:latin typeface="Calibri" pitchFamily="34" charset="0"/>
+                <a:cs typeface="Calibri" pitchFamily="34" charset="0"/>
+              </a:rPr>
+              <a:t>– </a:t>
+            </a:r>
+            <a:r>
+              <a:rPr lang="uk-UA" dirty="0" err="1" smtClean="0">
+                <a:latin typeface="Calibri" pitchFamily="34" charset="0"/>
+                <a:cs typeface="Calibri" pitchFamily="34" charset="0"/>
+              </a:rPr>
+              <a:t>функция-обработчик</a:t>
+            </a:r>
+            <a:endParaRPr lang="uk-UA" dirty="0" smtClean="0">
+              <a:latin typeface="Calibri" pitchFamily="34" charset="0"/>
+              <a:cs typeface="Calibri" pitchFamily="34" charset="0"/>
+            </a:endParaRPr>
+          </a:p>
+          <a:p>
+            <a:r>
+              <a:rPr lang="uk-UA" b="1" dirty="0" smtClean="0">
+                <a:latin typeface="Calibri" pitchFamily="34" charset="0"/>
+                <a:cs typeface="Calibri" pitchFamily="34" charset="0"/>
+              </a:rPr>
+              <a:t>С</a:t>
+            </a:r>
+            <a:r>
+              <a:rPr lang="en-US" b="1" dirty="0" err="1" smtClean="0">
+                <a:latin typeface="Calibri" pitchFamily="34" charset="0"/>
+                <a:cs typeface="Calibri" pitchFamily="34" charset="0"/>
+              </a:rPr>
+              <a:t>apture</a:t>
+            </a:r>
+            <a:r>
+              <a:rPr lang="en-US" b="1" dirty="0" smtClean="0">
+                <a:latin typeface="Calibri" pitchFamily="34" charset="0"/>
+                <a:cs typeface="Calibri" pitchFamily="34" charset="0"/>
+              </a:rPr>
+              <a:t> </a:t>
+            </a:r>
+            <a:r>
+              <a:rPr lang="en-US" dirty="0" smtClean="0">
+                <a:latin typeface="Calibri" pitchFamily="34" charset="0"/>
+                <a:cs typeface="Calibri" pitchFamily="34" charset="0"/>
+              </a:rPr>
+              <a:t>– true</a:t>
+            </a:r>
             <a:r>
               <a:rPr lang="ru-RU" dirty="0" smtClean="0">
                 <a:latin typeface="Calibri" pitchFamily="34" charset="0"/>
                 <a:cs typeface="Calibri" pitchFamily="34" charset="0"/>
               </a:rPr>
-              <a:t>Обработчик события</a:t>
+              <a:t> </a:t>
             </a:r>
             <a:r>
               <a:rPr lang="en-US" dirty="0" smtClean="0">
                 <a:latin typeface="Calibri" pitchFamily="34" charset="0"/>
                 <a:cs typeface="Calibri" pitchFamily="34" charset="0"/>
               </a:rPr>
-              <a:t>: </a:t>
-            </a:r>
+              <a:t>-</a:t>
+            </a:r>
+            <a:r>
+              <a:rPr lang="ru-RU" dirty="0" smtClean="0">
+                <a:latin typeface="Calibri" pitchFamily="34" charset="0"/>
+                <a:cs typeface="Calibri" pitchFamily="34" charset="0"/>
+              </a:rPr>
+              <a:t> </a:t>
+            </a:r>
+            <a:r>
+              <a:rPr lang="uk-UA" dirty="0" err="1" smtClean="0">
+                <a:latin typeface="Calibri" pitchFamily="34" charset="0"/>
+                <a:cs typeface="Calibri" pitchFamily="34" charset="0"/>
+              </a:rPr>
+              <a:t>обработчик</a:t>
+            </a:r>
+            <a:r>
+              <a:rPr lang="uk-UA" dirty="0" smtClean="0">
+                <a:latin typeface="Calibri" pitchFamily="34" charset="0"/>
+                <a:cs typeface="Calibri" pitchFamily="34" charset="0"/>
+              </a:rPr>
+              <a:t> </a:t>
+            </a:r>
+            <a:r>
+              <a:rPr lang="uk-UA" dirty="0" err="1" smtClean="0">
+                <a:latin typeface="Calibri" pitchFamily="34" charset="0"/>
+                <a:cs typeface="Calibri" pitchFamily="34" charset="0"/>
+              </a:rPr>
+              <a:t>срабатывает</a:t>
+            </a:r>
+            <a:r>
+              <a:rPr lang="uk-UA" dirty="0" smtClean="0">
+                <a:latin typeface="Calibri" pitchFamily="34" charset="0"/>
+                <a:cs typeface="Calibri" pitchFamily="34" charset="0"/>
+              </a:rPr>
+              <a:t> на </a:t>
+            </a:r>
+            <a:r>
+              <a:rPr lang="uk-UA" dirty="0" err="1" smtClean="0">
+                <a:latin typeface="Calibri" pitchFamily="34" charset="0"/>
+                <a:cs typeface="Calibri" pitchFamily="34" charset="0"/>
+              </a:rPr>
+              <a:t>этапе</a:t>
+            </a:r>
+            <a:r>
+              <a:rPr lang="uk-UA" dirty="0" smtClean="0">
+                <a:latin typeface="Calibri" pitchFamily="34" charset="0"/>
+                <a:cs typeface="Calibri" pitchFamily="34" charset="0"/>
+              </a:rPr>
+              <a:t> </a:t>
+            </a:r>
+            <a:r>
+              <a:rPr lang="uk-UA" dirty="0" err="1" smtClean="0">
+                <a:latin typeface="Calibri" pitchFamily="34" charset="0"/>
+                <a:cs typeface="Calibri" pitchFamily="34" charset="0"/>
+              </a:rPr>
+              <a:t>перехвата</a:t>
+            </a:r>
+            <a:r>
+              <a:rPr lang="uk-UA" dirty="0" smtClean="0">
+                <a:latin typeface="Calibri" pitchFamily="34" charset="0"/>
+                <a:cs typeface="Calibri" pitchFamily="34" charset="0"/>
+              </a:rPr>
+              <a:t>, </a:t>
+            </a:r>
+            <a:r>
+              <a:rPr lang="en-US" dirty="0" smtClean="0">
+                <a:latin typeface="Calibri" pitchFamily="34" charset="0"/>
+                <a:cs typeface="Calibri" pitchFamily="34" charset="0"/>
+              </a:rPr>
+              <a:t>false </a:t>
+            </a:r>
+            <a:r>
+              <a:rPr lang="en-US" dirty="0" smtClean="0">
+                <a:latin typeface="Calibri" pitchFamily="34" charset="0"/>
+                <a:cs typeface="Calibri" pitchFamily="34" charset="0"/>
+              </a:rPr>
+              <a:t>–</a:t>
+            </a:r>
+            <a:r>
+              <a:rPr lang="ru-RU" dirty="0" smtClean="0">
+                <a:latin typeface="Calibri" pitchFamily="34" charset="0"/>
+                <a:cs typeface="Calibri" pitchFamily="34" charset="0"/>
+              </a:rPr>
+              <a:t> </a:t>
+            </a:r>
+            <a:r>
+              <a:rPr lang="uk-UA" dirty="0" err="1" smtClean="0">
+                <a:latin typeface="Calibri" pitchFamily="34" charset="0"/>
+                <a:cs typeface="Calibri" pitchFamily="34" charset="0"/>
+              </a:rPr>
+              <a:t>обработчик</a:t>
+            </a:r>
+            <a:r>
+              <a:rPr lang="uk-UA" dirty="0" smtClean="0">
+                <a:latin typeface="Calibri" pitchFamily="34" charset="0"/>
+                <a:cs typeface="Calibri" pitchFamily="34" charset="0"/>
+              </a:rPr>
+              <a:t> </a:t>
+            </a:r>
+            <a:r>
+              <a:rPr lang="uk-UA" dirty="0" err="1" smtClean="0">
+                <a:latin typeface="Calibri" pitchFamily="34" charset="0"/>
+                <a:cs typeface="Calibri" pitchFamily="34" charset="0"/>
+              </a:rPr>
+              <a:t>срабатывает</a:t>
+            </a:r>
+            <a:r>
+              <a:rPr lang="uk-UA" dirty="0" smtClean="0">
+                <a:latin typeface="Calibri" pitchFamily="34" charset="0"/>
+                <a:cs typeface="Calibri" pitchFamily="34" charset="0"/>
+              </a:rPr>
+              <a:t> на </a:t>
+            </a:r>
+            <a:r>
+              <a:rPr lang="uk-UA" dirty="0" err="1" smtClean="0">
+                <a:latin typeface="Calibri" pitchFamily="34" charset="0"/>
+                <a:cs typeface="Calibri" pitchFamily="34" charset="0"/>
+              </a:rPr>
+              <a:t>этапе</a:t>
+            </a:r>
+            <a:r>
+              <a:rPr lang="uk-UA" dirty="0" smtClean="0">
+                <a:latin typeface="Calibri" pitchFamily="34" charset="0"/>
+                <a:cs typeface="Calibri" pitchFamily="34" charset="0"/>
+              </a:rPr>
+              <a:t> </a:t>
+            </a:r>
+            <a:r>
+              <a:rPr lang="uk-UA" dirty="0" err="1" smtClean="0">
+                <a:latin typeface="Calibri" pitchFamily="34" charset="0"/>
+                <a:cs typeface="Calibri" pitchFamily="34" charset="0"/>
+              </a:rPr>
+              <a:t>всплывания</a:t>
+            </a:r>
+            <a:r>
+              <a:rPr lang="uk-UA" dirty="0" smtClean="0">
+                <a:latin typeface="Calibri" pitchFamily="34" charset="0"/>
+                <a:cs typeface="Calibri" pitchFamily="34" charset="0"/>
+              </a:rPr>
+              <a:t>.</a:t>
+            </a:r>
+          </a:p>
+          <a:p>
             <a:endParaRPr lang="en-US" dirty="0">
               <a:latin typeface="Calibri" pitchFamily="34" charset="0"/>
               <a:cs typeface="Calibri" pitchFamily="34" charset="0"/>
             </a:endParaRPr>
-          </a:p>
-        </p:txBody>
-      </p:sp>
-      <p:sp>
-        <p:nvSpPr>
-          <p:cNvPr id="7" name="TextBox 6"/>
-          <p:cNvSpPr txBox="1"/>
-          <p:nvPr/>
-        </p:nvSpPr>
-        <p:spPr>
-          <a:xfrm>
-            <a:off x="457200" y="2932152"/>
-            <a:ext cx="3678186" cy="369332"/>
-          </a:xfrm>
-          <a:prstGeom prst="rect">
-            <a:avLst/>
-          </a:prstGeom>
-          <a:noFill/>
-        </p:spPr>
-        <p:txBody>
-          <a:bodyPr wrap="none" rtlCol="0">
-            <a:spAutoFit/>
-          </a:bodyPr>
-          <a:lstStyle/>
-          <a:p>
-            <a:r>
-              <a:rPr lang="ru-RU" dirty="0" smtClean="0"/>
-              <a:t>Удаление обработчика события</a:t>
-            </a:r>
-            <a:r>
-              <a:rPr lang="en-US" dirty="0" smtClean="0"/>
-              <a:t>:</a:t>
-            </a:r>
-            <a:endParaRPr lang="en-US" dirty="0"/>
-          </a:p>
-        </p:txBody>
-      </p:sp>
-      <p:sp>
-        <p:nvSpPr>
-          <p:cNvPr id="8" name="Прямоугольник 7"/>
-          <p:cNvSpPr/>
-          <p:nvPr/>
-        </p:nvSpPr>
-        <p:spPr>
-          <a:xfrm>
-            <a:off x="457200" y="4217670"/>
-            <a:ext cx="7955280" cy="523220"/>
-          </a:xfrm>
-          <a:prstGeom prst="rect">
-            <a:avLst/>
-          </a:prstGeom>
-        </p:spPr>
-        <p:style>
-          <a:lnRef idx="2">
-            <a:schemeClr val="accent3"/>
-          </a:lnRef>
-          <a:fillRef idx="1">
-            <a:schemeClr val="lt1"/>
-          </a:fillRef>
-          <a:effectRef idx="0">
-            <a:schemeClr val="accent3"/>
-          </a:effectRef>
-          <a:fontRef idx="minor">
-            <a:schemeClr val="dk1"/>
-          </a:fontRef>
-        </p:style>
-        <p:txBody>
-          <a:bodyPr wrap="square">
-            <a:spAutoFit/>
-          </a:bodyPr>
-          <a:lstStyle/>
-          <a:p>
-            <a:r>
-              <a:rPr lang="en-US" sz="1400" b="1" dirty="0" err="1" smtClean="0">
-                <a:latin typeface="Calibri" pitchFamily="34" charset="0"/>
-                <a:cs typeface="Calibri" pitchFamily="34" charset="0"/>
-              </a:rPr>
-              <a:t>Event.stopPropogation</a:t>
-            </a:r>
-            <a:r>
-              <a:rPr lang="en-US" sz="1400" b="1" dirty="0" smtClean="0">
-                <a:latin typeface="Calibri" pitchFamily="34" charset="0"/>
-                <a:cs typeface="Calibri" pitchFamily="34" charset="0"/>
-              </a:rPr>
-              <a:t>(); </a:t>
-            </a:r>
-            <a:r>
-              <a:rPr lang="en-US" sz="1400" dirty="0" smtClean="0">
-                <a:latin typeface="Calibri" pitchFamily="34" charset="0"/>
-                <a:cs typeface="Calibri" pitchFamily="34" charset="0"/>
-              </a:rPr>
-              <a:t>- </a:t>
-            </a:r>
-            <a:r>
-              <a:rPr lang="uk-UA" sz="1400" dirty="0" err="1" smtClean="0">
-                <a:latin typeface="Calibri" pitchFamily="34" charset="0"/>
-                <a:cs typeface="Calibri" pitchFamily="34" charset="0"/>
-              </a:rPr>
-              <a:t>прекращение</a:t>
-            </a:r>
-            <a:r>
-              <a:rPr lang="uk-UA" sz="1400" dirty="0" smtClean="0">
-                <a:latin typeface="Calibri" pitchFamily="34" charset="0"/>
-                <a:cs typeface="Calibri" pitchFamily="34" charset="0"/>
-              </a:rPr>
-              <a:t> </a:t>
-            </a:r>
-            <a:r>
-              <a:rPr lang="uk-UA" sz="1400" dirty="0" err="1" smtClean="0">
-                <a:latin typeface="Calibri" pitchFamily="34" charset="0"/>
-                <a:cs typeface="Calibri" pitchFamily="34" charset="0"/>
-              </a:rPr>
-              <a:t>распространения</a:t>
-            </a:r>
-            <a:r>
-              <a:rPr lang="uk-UA" sz="1400" dirty="0" smtClean="0">
-                <a:latin typeface="Calibri" pitchFamily="34" charset="0"/>
-                <a:cs typeface="Calibri" pitchFamily="34" charset="0"/>
-              </a:rPr>
-              <a:t> </a:t>
-            </a:r>
-            <a:r>
-              <a:rPr lang="uk-UA" sz="1400" dirty="0" err="1" smtClean="0">
-                <a:latin typeface="Calibri" pitchFamily="34" charset="0"/>
-                <a:cs typeface="Calibri" pitchFamily="34" charset="0"/>
-              </a:rPr>
-              <a:t>события</a:t>
-            </a:r>
-            <a:r>
-              <a:rPr lang="uk-UA" sz="1400" dirty="0" smtClean="0">
-                <a:latin typeface="Calibri" pitchFamily="34" charset="0"/>
-                <a:cs typeface="Calibri" pitchFamily="34" charset="0"/>
-              </a:rPr>
-              <a:t>.</a:t>
-            </a:r>
-          </a:p>
-          <a:p>
-            <a:r>
-              <a:rPr lang="en-US" sz="1400" b="1" dirty="0" err="1" smtClean="0">
-                <a:latin typeface="Calibri" pitchFamily="34" charset="0"/>
-                <a:cs typeface="Calibri" pitchFamily="34" charset="0"/>
-              </a:rPr>
-              <a:t>Event.preventDefault</a:t>
-            </a:r>
-            <a:r>
-              <a:rPr lang="en-US" sz="1400" b="1" dirty="0" smtClean="0">
-                <a:latin typeface="Calibri" pitchFamily="34" charset="0"/>
-                <a:cs typeface="Calibri" pitchFamily="34" charset="0"/>
-              </a:rPr>
-              <a:t>()</a:t>
-            </a:r>
-            <a:r>
-              <a:rPr lang="en-US" sz="1400" dirty="0" smtClean="0">
-                <a:latin typeface="Calibri" pitchFamily="34" charset="0"/>
-                <a:cs typeface="Calibri" pitchFamily="34" charset="0"/>
-              </a:rPr>
-              <a:t>; - </a:t>
-            </a:r>
-            <a:r>
-              <a:rPr lang="uk-UA" sz="1400" dirty="0" err="1" smtClean="0">
-                <a:latin typeface="Calibri" pitchFamily="34" charset="0"/>
-                <a:cs typeface="Calibri" pitchFamily="34" charset="0"/>
-              </a:rPr>
-              <a:t>отмена</a:t>
-            </a:r>
-            <a:r>
-              <a:rPr lang="uk-UA" sz="1400" dirty="0" smtClean="0">
-                <a:latin typeface="Calibri" pitchFamily="34" charset="0"/>
-                <a:cs typeface="Calibri" pitchFamily="34" charset="0"/>
-              </a:rPr>
-              <a:t> </a:t>
-            </a:r>
-            <a:r>
-              <a:rPr lang="uk-UA" sz="1400" dirty="0" err="1" smtClean="0">
-                <a:latin typeface="Calibri" pitchFamily="34" charset="0"/>
-                <a:cs typeface="Calibri" pitchFamily="34" charset="0"/>
-              </a:rPr>
-              <a:t>действия</a:t>
-            </a:r>
-            <a:r>
-              <a:rPr lang="uk-UA" sz="1400" dirty="0" smtClean="0">
-                <a:latin typeface="Calibri" pitchFamily="34" charset="0"/>
-                <a:cs typeface="Calibri" pitchFamily="34" charset="0"/>
-              </a:rPr>
-              <a:t> по </a:t>
-            </a:r>
-            <a:r>
-              <a:rPr lang="uk-UA" sz="1400" dirty="0" err="1" smtClean="0">
-                <a:latin typeface="Calibri" pitchFamily="34" charset="0"/>
-                <a:cs typeface="Calibri" pitchFamily="34" charset="0"/>
-              </a:rPr>
-              <a:t>умолчанию</a:t>
-            </a:r>
-            <a:r>
-              <a:rPr lang="uk-UA" sz="1400" dirty="0" smtClean="0">
-                <a:latin typeface="Calibri" pitchFamily="34" charset="0"/>
-                <a:cs typeface="Calibri" pitchFamily="34" charset="0"/>
-              </a:rPr>
-              <a:t>.</a:t>
-            </a:r>
-            <a:endParaRPr lang="uk-UA" sz="1400" dirty="0">
-              <a:latin typeface="Calibri" pitchFamily="34" charset="0"/>
-              <a:cs typeface="Calibri" pitchFamily="34" charset="0"/>
-            </a:endParaRPr>
-          </a:p>
-        </p:txBody>
-      </p:sp>
-      <p:sp>
-        <p:nvSpPr>
-          <p:cNvPr id="9" name="TextBox 8"/>
-          <p:cNvSpPr txBox="1"/>
-          <p:nvPr/>
-        </p:nvSpPr>
-        <p:spPr>
-          <a:xfrm>
-            <a:off x="457200" y="3848338"/>
-            <a:ext cx="4354334" cy="369332"/>
-          </a:xfrm>
-          <a:prstGeom prst="rect">
-            <a:avLst/>
-          </a:prstGeom>
-          <a:noFill/>
-        </p:spPr>
-        <p:txBody>
-          <a:bodyPr wrap="none" rtlCol="0">
-            <a:spAutoFit/>
-          </a:bodyPr>
-          <a:lstStyle/>
-          <a:p>
-            <a:r>
-              <a:rPr lang="ru-RU" dirty="0" smtClean="0"/>
-              <a:t>Остановка распространения события</a:t>
-            </a:r>
-            <a:r>
-              <a:rPr lang="en-US" dirty="0" smtClean="0"/>
-              <a:t>: </a:t>
-            </a:r>
-            <a:endParaRPr lang="en-US" dirty="0"/>
           </a:p>
         </p:txBody>
       </p:sp>
     </p:spTree>
     <p:extLst>
       <p:ext uri="{BB962C8B-B14F-4D97-AF65-F5344CB8AC3E}">
-        <p14:creationId xmlns:p14="http://schemas.microsoft.com/office/powerpoint/2010/main" xmlns="" val="2015409003"/>
+        <p14:creationId xmlns="" xmlns:p14="http://schemas.microsoft.com/office/powerpoint/2010/main" val="2015409003"/>
       </p:ext>
     </p:extLst>
   </p:cSld>
@@ -3838,6 +3615,344 @@
       </p:grpSpPr>
       <p:sp>
         <p:nvSpPr>
+          <p:cNvPr id="2" name="Заголовок 1"/>
+          <p:cNvSpPr>
+            <a:spLocks noGrp="1"/>
+          </p:cNvSpPr>
+          <p:nvPr>
+            <p:ph type="title"/>
+          </p:nvPr>
+        </p:nvSpPr>
+        <p:spPr/>
+        <p:txBody>
+          <a:bodyPr/>
+          <a:lstStyle/>
+          <a:p>
+            <a:r>
+              <a:rPr lang="en-US" sz="2400" dirty="0" smtClean="0">
+                <a:latin typeface="Calibri" pitchFamily="34" charset="0"/>
+              </a:rPr>
+              <a:t>DOM Level 2</a:t>
+            </a:r>
+            <a:endParaRPr lang="uk-UA" dirty="0"/>
+          </a:p>
+        </p:txBody>
+      </p:sp>
+      <p:sp>
+        <p:nvSpPr>
+          <p:cNvPr id="4" name="Прямоугольник 3"/>
+          <p:cNvSpPr/>
+          <p:nvPr/>
+        </p:nvSpPr>
+        <p:spPr>
+          <a:xfrm>
+            <a:off x="457200" y="1653778"/>
+            <a:ext cx="7955280" cy="369332"/>
+          </a:xfrm>
+          <a:prstGeom prst="rect">
+            <a:avLst/>
+          </a:prstGeom>
+          <a:ln>
+            <a:noFill/>
+          </a:ln>
+        </p:spPr>
+        <p:style>
+          <a:lnRef idx="2">
+            <a:schemeClr val="accent3"/>
+          </a:lnRef>
+          <a:fillRef idx="1">
+            <a:schemeClr val="lt1"/>
+          </a:fillRef>
+          <a:effectRef idx="0">
+            <a:schemeClr val="accent3"/>
+          </a:effectRef>
+          <a:fontRef idx="minor">
+            <a:schemeClr val="dk1"/>
+          </a:fontRef>
+        </p:style>
+        <p:txBody>
+          <a:bodyPr wrap="square">
+            <a:spAutoFit/>
+          </a:bodyPr>
+          <a:lstStyle/>
+          <a:p>
+            <a:r>
+              <a:rPr lang="en-US" b="1" dirty="0" err="1" smtClean="0">
+                <a:latin typeface="Calibri" pitchFamily="34" charset="0"/>
+                <a:cs typeface="Calibri" pitchFamily="34" charset="0"/>
+              </a:rPr>
+              <a:t>removeEventListener</a:t>
+            </a:r>
+            <a:r>
+              <a:rPr lang="en-US" b="1" dirty="0" smtClean="0">
+                <a:latin typeface="Calibri" pitchFamily="34" charset="0"/>
+                <a:cs typeface="Calibri" pitchFamily="34" charset="0"/>
+              </a:rPr>
+              <a:t>(event, handler, capture);  </a:t>
+            </a:r>
+            <a:r>
+              <a:rPr lang="en-US" dirty="0" smtClean="0">
+                <a:latin typeface="Calibri" pitchFamily="34" charset="0"/>
+                <a:cs typeface="Calibri" pitchFamily="34" charset="0"/>
+              </a:rPr>
+              <a:t>- </a:t>
+            </a:r>
+            <a:r>
+              <a:rPr lang="uk-UA" dirty="0" err="1" smtClean="0">
+                <a:latin typeface="Calibri" pitchFamily="34" charset="0"/>
+                <a:cs typeface="Calibri" pitchFamily="34" charset="0"/>
+              </a:rPr>
+              <a:t>удаление</a:t>
+            </a:r>
+            <a:r>
+              <a:rPr lang="uk-UA" dirty="0" smtClean="0">
+                <a:latin typeface="Calibri" pitchFamily="34" charset="0"/>
+                <a:cs typeface="Calibri" pitchFamily="34" charset="0"/>
+              </a:rPr>
+              <a:t> </a:t>
+            </a:r>
+            <a:r>
+              <a:rPr lang="uk-UA" dirty="0" err="1" smtClean="0">
+                <a:latin typeface="Calibri" pitchFamily="34" charset="0"/>
+                <a:cs typeface="Calibri" pitchFamily="34" charset="0"/>
+              </a:rPr>
+              <a:t>обработчика</a:t>
+            </a:r>
+            <a:r>
+              <a:rPr lang="uk-UA" dirty="0" smtClean="0">
+                <a:latin typeface="Calibri" pitchFamily="34" charset="0"/>
+                <a:cs typeface="Calibri" pitchFamily="34" charset="0"/>
+              </a:rPr>
+              <a:t> </a:t>
+            </a:r>
+            <a:r>
+              <a:rPr lang="uk-UA" dirty="0" err="1" smtClean="0">
+                <a:latin typeface="Calibri" pitchFamily="34" charset="0"/>
+                <a:cs typeface="Calibri" pitchFamily="34" charset="0"/>
+              </a:rPr>
+              <a:t>события</a:t>
+            </a:r>
+            <a:endParaRPr lang="uk-UA" dirty="0" smtClean="0">
+              <a:latin typeface="Calibri" pitchFamily="34" charset="0"/>
+              <a:cs typeface="Calibri" pitchFamily="34" charset="0"/>
+            </a:endParaRPr>
+          </a:p>
+        </p:txBody>
+      </p:sp>
+      <p:sp>
+        <p:nvSpPr>
+          <p:cNvPr id="5" name="Прямоугольник 4"/>
+          <p:cNvSpPr/>
+          <p:nvPr/>
+        </p:nvSpPr>
+        <p:spPr>
+          <a:xfrm>
+            <a:off x="457200" y="2571750"/>
+            <a:ext cx="7955280" cy="646331"/>
+          </a:xfrm>
+          <a:prstGeom prst="rect">
+            <a:avLst/>
+          </a:prstGeom>
+          <a:ln>
+            <a:noFill/>
+          </a:ln>
+        </p:spPr>
+        <p:style>
+          <a:lnRef idx="2">
+            <a:schemeClr val="accent3"/>
+          </a:lnRef>
+          <a:fillRef idx="1">
+            <a:schemeClr val="lt1"/>
+          </a:fillRef>
+          <a:effectRef idx="0">
+            <a:schemeClr val="accent3"/>
+          </a:effectRef>
+          <a:fontRef idx="minor">
+            <a:schemeClr val="dk1"/>
+          </a:fontRef>
+        </p:style>
+        <p:txBody>
+          <a:bodyPr wrap="square">
+            <a:spAutoFit/>
+          </a:bodyPr>
+          <a:lstStyle/>
+          <a:p>
+            <a:r>
+              <a:rPr lang="en-US" b="1" dirty="0" err="1" smtClean="0">
+                <a:latin typeface="Calibri" pitchFamily="34" charset="0"/>
+                <a:cs typeface="Calibri" pitchFamily="34" charset="0"/>
+              </a:rPr>
+              <a:t>Event.stopPropogation</a:t>
+            </a:r>
+            <a:r>
+              <a:rPr lang="en-US" b="1" dirty="0" smtClean="0">
+                <a:latin typeface="Calibri" pitchFamily="34" charset="0"/>
+                <a:cs typeface="Calibri" pitchFamily="34" charset="0"/>
+              </a:rPr>
+              <a:t>(); </a:t>
+            </a:r>
+            <a:r>
+              <a:rPr lang="en-US" dirty="0" smtClean="0">
+                <a:latin typeface="Calibri" pitchFamily="34" charset="0"/>
+                <a:cs typeface="Calibri" pitchFamily="34" charset="0"/>
+              </a:rPr>
+              <a:t>- </a:t>
+            </a:r>
+            <a:r>
+              <a:rPr lang="uk-UA" dirty="0" err="1" smtClean="0">
+                <a:latin typeface="Calibri" pitchFamily="34" charset="0"/>
+                <a:cs typeface="Calibri" pitchFamily="34" charset="0"/>
+              </a:rPr>
+              <a:t>прекращение</a:t>
+            </a:r>
+            <a:r>
+              <a:rPr lang="uk-UA" dirty="0" smtClean="0">
+                <a:latin typeface="Calibri" pitchFamily="34" charset="0"/>
+                <a:cs typeface="Calibri" pitchFamily="34" charset="0"/>
+              </a:rPr>
+              <a:t> </a:t>
+            </a:r>
+            <a:r>
+              <a:rPr lang="uk-UA" dirty="0" err="1" smtClean="0">
+                <a:latin typeface="Calibri" pitchFamily="34" charset="0"/>
+                <a:cs typeface="Calibri" pitchFamily="34" charset="0"/>
+              </a:rPr>
+              <a:t>распространения</a:t>
+            </a:r>
+            <a:r>
+              <a:rPr lang="uk-UA" dirty="0" smtClean="0">
+                <a:latin typeface="Calibri" pitchFamily="34" charset="0"/>
+                <a:cs typeface="Calibri" pitchFamily="34" charset="0"/>
+              </a:rPr>
+              <a:t> </a:t>
+            </a:r>
+            <a:r>
+              <a:rPr lang="uk-UA" dirty="0" err="1" smtClean="0">
+                <a:latin typeface="Calibri" pitchFamily="34" charset="0"/>
+                <a:cs typeface="Calibri" pitchFamily="34" charset="0"/>
+              </a:rPr>
+              <a:t>события</a:t>
+            </a:r>
+            <a:r>
+              <a:rPr lang="uk-UA" dirty="0" smtClean="0">
+                <a:latin typeface="Calibri" pitchFamily="34" charset="0"/>
+                <a:cs typeface="Calibri" pitchFamily="34" charset="0"/>
+              </a:rPr>
+              <a:t>.</a:t>
+            </a:r>
+          </a:p>
+          <a:p>
+            <a:r>
+              <a:rPr lang="en-US" b="1" dirty="0" err="1" smtClean="0">
+                <a:latin typeface="Calibri" pitchFamily="34" charset="0"/>
+                <a:cs typeface="Calibri" pitchFamily="34" charset="0"/>
+              </a:rPr>
+              <a:t>Event.preventDefault</a:t>
+            </a:r>
+            <a:r>
+              <a:rPr lang="en-US" b="1" dirty="0" smtClean="0">
+                <a:latin typeface="Calibri" pitchFamily="34" charset="0"/>
+                <a:cs typeface="Calibri" pitchFamily="34" charset="0"/>
+              </a:rPr>
+              <a:t>()</a:t>
+            </a:r>
+            <a:r>
+              <a:rPr lang="en-US" dirty="0" smtClean="0">
+                <a:latin typeface="Calibri" pitchFamily="34" charset="0"/>
+                <a:cs typeface="Calibri" pitchFamily="34" charset="0"/>
+              </a:rPr>
+              <a:t>; - </a:t>
+            </a:r>
+            <a:r>
+              <a:rPr lang="uk-UA" dirty="0" err="1" smtClean="0">
+                <a:latin typeface="Calibri" pitchFamily="34" charset="0"/>
+                <a:cs typeface="Calibri" pitchFamily="34" charset="0"/>
+              </a:rPr>
+              <a:t>отмена</a:t>
+            </a:r>
+            <a:r>
+              <a:rPr lang="uk-UA" dirty="0" smtClean="0">
+                <a:latin typeface="Calibri" pitchFamily="34" charset="0"/>
+                <a:cs typeface="Calibri" pitchFamily="34" charset="0"/>
+              </a:rPr>
+              <a:t> </a:t>
+            </a:r>
+            <a:r>
+              <a:rPr lang="uk-UA" dirty="0" err="1" smtClean="0">
+                <a:latin typeface="Calibri" pitchFamily="34" charset="0"/>
+                <a:cs typeface="Calibri" pitchFamily="34" charset="0"/>
+              </a:rPr>
+              <a:t>обработки</a:t>
+            </a:r>
+            <a:r>
+              <a:rPr lang="uk-UA" dirty="0" smtClean="0">
+                <a:latin typeface="Calibri" pitchFamily="34" charset="0"/>
+                <a:cs typeface="Calibri" pitchFamily="34" charset="0"/>
+              </a:rPr>
+              <a:t> </a:t>
+            </a:r>
+            <a:r>
+              <a:rPr lang="uk-UA" dirty="0" err="1" smtClean="0">
+                <a:latin typeface="Calibri" pitchFamily="34" charset="0"/>
+                <a:cs typeface="Calibri" pitchFamily="34" charset="0"/>
+              </a:rPr>
+              <a:t>события</a:t>
+            </a:r>
+            <a:r>
+              <a:rPr lang="uk-UA" dirty="0" smtClean="0">
+                <a:latin typeface="Calibri" pitchFamily="34" charset="0"/>
+                <a:cs typeface="Calibri" pitchFamily="34" charset="0"/>
+              </a:rPr>
+              <a:t> по </a:t>
+            </a:r>
+            <a:r>
+              <a:rPr lang="uk-UA" dirty="0" err="1" smtClean="0">
+                <a:latin typeface="Calibri" pitchFamily="34" charset="0"/>
+                <a:cs typeface="Calibri" pitchFamily="34" charset="0"/>
+              </a:rPr>
+              <a:t>умолчанию</a:t>
+            </a:r>
+            <a:r>
+              <a:rPr lang="uk-UA" dirty="0" smtClean="0">
+                <a:latin typeface="Calibri" pitchFamily="34" charset="0"/>
+                <a:cs typeface="Calibri" pitchFamily="34" charset="0"/>
+              </a:rPr>
+              <a:t>.</a:t>
+            </a:r>
+            <a:endParaRPr lang="uk-UA" dirty="0">
+              <a:latin typeface="Calibri" pitchFamily="34" charset="0"/>
+              <a:cs typeface="Calibri" pitchFamily="34" charset="0"/>
+            </a:endParaRPr>
+          </a:p>
+        </p:txBody>
+      </p:sp>
+    </p:spTree>
+  </p:cSld>
+  <p:clrMapOvr>
+    <a:masterClrMapping/>
+  </p:clrMapOvr>
+</p:sld>
+</file>
+
+<file path=ppt/slides/slide6.xml><?xml version="1.0" encoding="utf-8"?>
+<p:sld xmlns:a="http://schemas.openxmlformats.org/drawingml/2006/main" xmlns:r="http://schemas.openxmlformats.org/officeDocument/2006/relationships" xmlns:p="http://schemas.openxmlformats.org/presentationml/2006/main">
+  <p:cSld>
+    <p:spTree>
+      <p:nvGrpSpPr>
+        <p:cNvPr id="1" name=""/>
+        <p:cNvGrpSpPr/>
+        <p:nvPr/>
+      </p:nvGrpSpPr>
+      <p:grpSpPr>
+        <a:xfrm>
+          <a:off x="0" y="0"/>
+          <a:ext cx="0" cy="0"/>
+          <a:chOff x="0" y="0"/>
+          <a:chExt cx="0" cy="0"/>
+        </a:xfrm>
+      </p:grpSpPr>
+      <p:sp>
+        <p:nvSpPr>
           <p:cNvPr id="4" name="Заголовок 3"/>
           <p:cNvSpPr>
             <a:spLocks noGrp="1"/>
@@ -3857,33 +3972,49 @@
           <a:lstStyle/>
           <a:p>
             <a:r>
-              <a:rPr lang="uk-UA" dirty="0" smtClean="0"/>
+              <a:rPr lang="uk-UA" dirty="0" smtClean="0">
+                <a:latin typeface="Calibri" pitchFamily="34" charset="0"/>
+              </a:rPr>
               <a:t>Модель </a:t>
             </a:r>
             <a:r>
-              <a:rPr lang="uk-UA" dirty="0" err="1" smtClean="0"/>
+              <a:rPr lang="uk-UA" dirty="0" err="1" smtClean="0">
+                <a:latin typeface="Calibri" pitchFamily="34" charset="0"/>
+              </a:rPr>
               <a:t>обработки</a:t>
             </a:r>
             <a:r>
-              <a:rPr lang="uk-UA" dirty="0" smtClean="0"/>
+              <a:rPr lang="uk-UA" dirty="0" smtClean="0">
+                <a:latin typeface="Calibri" pitchFamily="34" charset="0"/>
+              </a:rPr>
               <a:t> </a:t>
             </a:r>
             <a:r>
-              <a:rPr lang="uk-UA" dirty="0" err="1" smtClean="0"/>
+              <a:rPr lang="uk-UA" dirty="0" err="1" smtClean="0">
+                <a:latin typeface="Calibri" pitchFamily="34" charset="0"/>
+              </a:rPr>
               <a:t>событий</a:t>
             </a:r>
             <a:r>
-              <a:rPr lang="en-US" sz="2800" dirty="0" smtClean="0"/>
+              <a:rPr lang="en-US" sz="2800" dirty="0" smtClean="0">
+                <a:latin typeface="Calibri" pitchFamily="34" charset="0"/>
+              </a:rPr>
               <a:t> Internet Explorer</a:t>
             </a:r>
             <a:r>
-              <a:rPr lang="en-US" dirty="0" smtClean="0"/>
+              <a:rPr lang="en-US" dirty="0" smtClean="0">
+                <a:latin typeface="Calibri" pitchFamily="34" charset="0"/>
+              </a:rPr>
               <a:t/>
             </a:r>
             <a:br>
-              <a:rPr lang="en-US" dirty="0" smtClean="0"/>
+              <a:rPr lang="en-US" dirty="0" smtClean="0">
+                <a:latin typeface="Calibri" pitchFamily="34" charset="0"/>
+              </a:rPr>
             </a:br>
-            <a:endParaRPr lang="en-US" dirty="0"/>
+            <a:endParaRPr lang="en-US" dirty="0">
+              <a:latin typeface="Calibri" pitchFamily="34" charset="0"/>
+            </a:endParaRPr>
           </a:p>
         </p:txBody>
       </p:sp>
@@ -4163,7 +4294,7 @@
     </p:spTree>
     <p:extLst>
       <p:ext uri="{BB962C8B-B14F-4D97-AF65-F5344CB8AC3E}">
-        <p14:creationId xmlns:p14="http://schemas.microsoft.com/office/powerpoint/2010/main" xmlns="" val="384071384"/>
+        <p14:creationId xmlns="" xmlns:p14="http://schemas.microsoft.com/office/powerpoint/2010/main" val="384071384"/>
       </p:ext>
     </p:extLst>
   </p:cSld>
